--- a/Data Science Capstone Project Presentation 2.pptx
+++ b/Data Science Capstone Project Presentation 2.pptx
@@ -9,10 +9,10 @@
     <p:sldId id="257" r:id="rId3"/>
     <p:sldId id="258" r:id="rId4"/>
     <p:sldId id="259" r:id="rId5"/>
-    <p:sldId id="260" r:id="rId6"/>
-    <p:sldId id="261" r:id="rId7"/>
-    <p:sldId id="262" r:id="rId8"/>
-    <p:sldId id="263" r:id="rId9"/>
+    <p:sldId id="264" r:id="rId6"/>
+    <p:sldId id="265" r:id="rId7"/>
+    <p:sldId id="266" r:id="rId8"/>
+    <p:sldId id="260" r:id="rId9"/>
   </p:sldIdLst>
   <p:sldSz cx="12192000" cy="6858000"/>
   <p:notesSz cx="6858000" cy="9144000"/>
@@ -119,6 +119,10 @@
 </p:presentation>
 </file>
 
+<file path=ppt/revisionInfo.xml><?xml version="1.0" encoding="utf-8"?>
+<p1510:revInfo xmlns:a="http://schemas.openxmlformats.org/drawingml/2006/main" xmlns:r="http://schemas.openxmlformats.org/officeDocument/2006/relationships" xmlns:p1510="http://schemas.microsoft.com/office/powerpoint/2015/10/main"/>
+</file>
+
 <file path=ppt/slideLayouts/slideLayout1.xml><?xml version="1.0" encoding="utf-8"?>
 <p:sldLayout xmlns:a="http://schemas.openxmlformats.org/drawingml/2006/main" xmlns:r="http://schemas.openxmlformats.org/officeDocument/2006/relationships" xmlns:p="http://schemas.openxmlformats.org/presentationml/2006/main" type="title" preserve="1">
   <p:cSld name="Title Slide">
@@ -258,7 +262,7 @@
           <a:p>
             <a:fld id="{4EAC7448-CCCF-4BA2-9867-8DECA6F2FC2B}" type="datetimeFigureOut">
               <a:rPr lang="en-US" smtClean="0"/>
-              <a:t>7/8/2019</a:t>
+              <a:t>7/10/2019</a:t>
             </a:fld>
             <a:endParaRPr lang="en-US"/>
           </a:p>
@@ -469,7 +473,7 @@
           <a:p>
             <a:fld id="{4EAC7448-CCCF-4BA2-9867-8DECA6F2FC2B}" type="datetimeFigureOut">
               <a:rPr lang="en-US" smtClean="0"/>
-              <a:t>7/8/2019</a:t>
+              <a:t>7/10/2019</a:t>
             </a:fld>
             <a:endParaRPr lang="en-US"/>
           </a:p>
@@ -684,7 +688,7 @@
           <a:p>
             <a:fld id="{4EAC7448-CCCF-4BA2-9867-8DECA6F2FC2B}" type="datetimeFigureOut">
               <a:rPr lang="en-US" smtClean="0"/>
-              <a:t>7/8/2019</a:t>
+              <a:t>7/10/2019</a:t>
             </a:fld>
             <a:endParaRPr lang="en-US"/>
           </a:p>
@@ -885,7 +889,7 @@
           <a:p>
             <a:fld id="{4EAC7448-CCCF-4BA2-9867-8DECA6F2FC2B}" type="datetimeFigureOut">
               <a:rPr lang="en-US" smtClean="0"/>
-              <a:t>7/8/2019</a:t>
+              <a:t>7/10/2019</a:t>
             </a:fld>
             <a:endParaRPr lang="en-US"/>
           </a:p>
@@ -1164,7 +1168,7 @@
           <a:p>
             <a:fld id="{4EAC7448-CCCF-4BA2-9867-8DECA6F2FC2B}" type="datetimeFigureOut">
               <a:rPr lang="en-US" smtClean="0"/>
-              <a:t>7/8/2019</a:t>
+              <a:t>7/10/2019</a:t>
             </a:fld>
             <a:endParaRPr lang="en-US"/>
           </a:p>
@@ -1432,7 +1436,7 @@
           <a:p>
             <a:fld id="{4EAC7448-CCCF-4BA2-9867-8DECA6F2FC2B}" type="datetimeFigureOut">
               <a:rPr lang="en-US" smtClean="0"/>
-              <a:t>7/8/2019</a:t>
+              <a:t>7/10/2019</a:t>
             </a:fld>
             <a:endParaRPr lang="en-US"/>
           </a:p>
@@ -1848,7 +1852,7 @@
           <a:p>
             <a:fld id="{4EAC7448-CCCF-4BA2-9867-8DECA6F2FC2B}" type="datetimeFigureOut">
               <a:rPr lang="en-US" smtClean="0"/>
-              <a:t>7/8/2019</a:t>
+              <a:t>7/10/2019</a:t>
             </a:fld>
             <a:endParaRPr lang="en-US"/>
           </a:p>
@@ -1997,7 +2001,7 @@
           <a:p>
             <a:fld id="{4EAC7448-CCCF-4BA2-9867-8DECA6F2FC2B}" type="datetimeFigureOut">
               <a:rPr lang="en-US" smtClean="0"/>
-              <a:t>7/8/2019</a:t>
+              <a:t>7/10/2019</a:t>
             </a:fld>
             <a:endParaRPr lang="en-US"/>
           </a:p>
@@ -2123,7 +2127,7 @@
           <a:p>
             <a:fld id="{4EAC7448-CCCF-4BA2-9867-8DECA6F2FC2B}" type="datetimeFigureOut">
               <a:rPr lang="en-US" smtClean="0"/>
-              <a:t>7/8/2019</a:t>
+              <a:t>7/10/2019</a:t>
             </a:fld>
             <a:endParaRPr lang="en-US"/>
           </a:p>
@@ -2374,7 +2378,7 @@
           <a:p>
             <a:fld id="{4EAC7448-CCCF-4BA2-9867-8DECA6F2FC2B}" type="datetimeFigureOut">
               <a:rPr lang="en-US" smtClean="0"/>
-              <a:t>7/8/2019</a:t>
+              <a:t>7/10/2019</a:t>
             </a:fld>
             <a:endParaRPr lang="en-US"/>
           </a:p>
@@ -2819,7 +2823,7 @@
           <a:p>
             <a:fld id="{4EAC7448-CCCF-4BA2-9867-8DECA6F2FC2B}" type="datetimeFigureOut">
               <a:rPr lang="en-US" smtClean="0"/>
-              <a:t>7/8/2019</a:t>
+              <a:t>7/10/2019</a:t>
             </a:fld>
             <a:endParaRPr lang="en-US"/>
           </a:p>
@@ -3145,7 +3149,7 @@
           <a:p>
             <a:fld id="{4EAC7448-CCCF-4BA2-9867-8DECA6F2FC2B}" type="datetimeFigureOut">
               <a:rPr lang="en-US" smtClean="0"/>
-              <a:t>7/8/2019</a:t>
+              <a:t>7/10/2019</a:t>
             </a:fld>
             <a:endParaRPr lang="en-US"/>
           </a:p>
@@ -3650,7 +3654,7 @@
         <p:spPr/>
         <p:txBody>
           <a:bodyPr>
-            <a:normAutofit/>
+            <a:normAutofit fontScale="90000"/>
           </a:bodyPr>
           <a:lstStyle/>
           <a:p>
@@ -3658,10 +3662,17 @@
               <a:rPr lang="en-US" dirty="0"/>
               <a:t>Data Science Capstone Project – </a:t>
             </a:r>
+            <a:br>
+              <a:rPr lang="en-US" dirty="0"/>
+            </a:br>
             <a:r>
               <a:rPr lang="en-US" sz="2700" dirty="0"/>
-              <a:t>Restaurant pipe Dream</a:t>
-            </a:r>
+              <a:t>My Pipe Dream: Opening a NY Style Deli in North Carolina</a:t>
+            </a:r>
+            <a:br>
+              <a:rPr lang="en-US" dirty="0"/>
+            </a:br>
+            <a:endParaRPr lang="en-US" sz="2700" dirty="0"/>
           </a:p>
         </p:txBody>
       </p:sp>
@@ -3832,8 +3843,8 @@
         </p:nvSpPr>
         <p:spPr>
           <a:xfrm>
-            <a:off x="481263" y="304800"/>
-            <a:ext cx="11133221" cy="3139321"/>
+            <a:off x="82429" y="178341"/>
+            <a:ext cx="6882575" cy="4493538"/>
           </a:xfrm>
           <a:prstGeom prst="rect">
             <a:avLst/>
@@ -3848,17 +3859,94 @@
           <a:p>
             <a:r>
               <a:rPr lang="en-US" b="1" u="sng" dirty="0"/>
-              <a:t>Data Leveraged:</a:t>
+              <a:t>Data Acquisition and Cleaning:</a:t>
             </a:r>
           </a:p>
           <a:p>
             <a:endParaRPr lang="en-US" dirty="0"/>
           </a:p>
           <a:p>
+            <a:pPr marL="285750" lvl="0" indent="-285750">
+              <a:buFont typeface="Arial" panose="020B0604020202020204" pitchFamily="34" charset="0"/>
+              <a:buChar char="•"/>
+            </a:pPr>
             <a:r>
               <a:rPr lang="en-US" dirty="0"/>
-              <a:t>Several data sources were leveraged for this analysis.  First I used data researched on the web of the “Top 50 Zip Codes in NC for Rent Cost” to determine if there were area’s of Charlotte or Greensboro NC that had higher rent costs than I could afford as a new small business owner.  After determining which of the two cities has more reasonable rental space costs I leveraged zip code geospatial data to obtain all the zip code coordinates for the state of NC.  This geospatial data was an input into my zip/neighborhood Foursquare venue analysis to determine the most common venues for each zip code.  Ultimately, these sources allowed me to determine a restaurant location that was budget-friendly and a ripe location that would bring in new customers without extreme competition.</a:t>
-            </a:r>
+              <a:t>Web based search on Top 50 - Highest Zip Codes in NC for Rent (downloaded as csv) and imported from </a:t>
+            </a:r>
+            <a:r>
+              <a:rPr lang="en-US" u="sng" dirty="0">
+                <a:hlinkClick r:id="rId2"/>
+              </a:rPr>
+              <a:t>this</a:t>
+            </a:r>
+            <a:r>
+              <a:rPr lang="en-US" dirty="0"/>
+              <a:t> site.</a:t>
+            </a:r>
+          </a:p>
+          <a:p>
+            <a:pPr marL="285750" lvl="0" indent="-285750">
+              <a:buFont typeface="Arial" panose="020B0604020202020204" pitchFamily="34" charset="0"/>
+              <a:buChar char="•"/>
+            </a:pPr>
+            <a:r>
+              <a:rPr lang="en-US" dirty="0"/>
+              <a:t>Geospatial Data for all US Zip Codes from </a:t>
+            </a:r>
+            <a:r>
+              <a:rPr lang="en-US" u="sng" dirty="0">
+                <a:hlinkClick r:id="rId3"/>
+              </a:rPr>
+              <a:t>this</a:t>
+            </a:r>
+            <a:r>
+              <a:rPr lang="en-US" dirty="0"/>
+              <a:t> site (downloaded as csv) to determine all zip codes </a:t>
+            </a:r>
+            <a:r>
+              <a:rPr lang="en-US" dirty="0" err="1"/>
+              <a:t>lat</a:t>
+            </a:r>
+            <a:r>
+              <a:rPr lang="en-US" dirty="0"/>
+              <a:t>/longs to be leveraged for </a:t>
+            </a:r>
+            <a:r>
+              <a:rPr lang="en-US" dirty="0" err="1"/>
+              <a:t>FourSquare</a:t>
+            </a:r>
+            <a:r>
+              <a:rPr lang="en-US" dirty="0"/>
+              <a:t> Venue search, and Clustering Analysis.</a:t>
+            </a:r>
+          </a:p>
+          <a:p>
+            <a:pPr marL="285750" lvl="0" indent="-285750">
+              <a:buFont typeface="Arial" panose="020B0604020202020204" pitchFamily="34" charset="0"/>
+              <a:buChar char="•"/>
+            </a:pPr>
+            <a:r>
+              <a:rPr lang="en-US" dirty="0" err="1"/>
+              <a:t>FourSquare</a:t>
+            </a:r>
+            <a:r>
+              <a:rPr lang="en-US" dirty="0"/>
+              <a:t> Venue search based on Greensboro Zip Code as input for Clustering Analysis. Narrowed foursquare search to eliminate irrelevant venue types for cluster analysis.</a:t>
+            </a:r>
+          </a:p>
+          <a:p>
+            <a:pPr marL="285750" lvl="0" indent="-285750">
+              <a:buFont typeface="Arial" panose="020B0604020202020204" pitchFamily="34" charset="0"/>
+              <a:buChar char="•"/>
+            </a:pPr>
+            <a:r>
+              <a:rPr lang="en-US" dirty="0"/>
+              <a:t>Paired cluster analysis data output with research on most popular neighborhoods to live to select a restaurant location and living location with little travel.</a:t>
+            </a:r>
+          </a:p>
+          <a:p>
+            <a:endParaRPr lang="en-US" sz="1600" dirty="0"/>
           </a:p>
           <a:p>
             <a:endParaRPr lang="en-US" dirty="0"/>
@@ -3883,15 +3971,15 @@
           <p:nvPr/>
         </p:nvPicPr>
         <p:blipFill>
-          <a:blip r:embed="rId2"/>
+          <a:blip r:embed="rId4"/>
           <a:stretch>
             <a:fillRect/>
           </a:stretch>
         </p:blipFill>
         <p:spPr>
           <a:xfrm>
-            <a:off x="729574" y="3154471"/>
-            <a:ext cx="4517282" cy="2458692"/>
+            <a:off x="8774350" y="693102"/>
+            <a:ext cx="3063909" cy="1667642"/>
           </a:xfrm>
           <a:prstGeom prst="rect">
             <a:avLst/>
@@ -3913,15 +4001,15 @@
           <p:nvPr/>
         </p:nvPicPr>
         <p:blipFill>
-          <a:blip r:embed="rId3"/>
+          <a:blip r:embed="rId5"/>
           <a:stretch>
             <a:fillRect/>
           </a:stretch>
         </p:blipFill>
         <p:spPr>
           <a:xfrm>
-            <a:off x="6245157" y="3066813"/>
-            <a:ext cx="4756825" cy="2580624"/>
+            <a:off x="8774350" y="4224243"/>
+            <a:ext cx="3073939" cy="1667642"/>
           </a:xfrm>
           <a:prstGeom prst="rect">
             <a:avLst/>
@@ -3942,7 +4030,7 @@
         </p:nvSpPr>
         <p:spPr>
           <a:xfrm>
-            <a:off x="5495167" y="3978612"/>
+            <a:off x="10053875" y="3086829"/>
             <a:ext cx="651753" cy="369332"/>
           </a:xfrm>
           <a:prstGeom prst="rect">
@@ -4008,7 +4096,7 @@
         <p:spPr>
           <a:xfrm>
             <a:off x="481263" y="304800"/>
-            <a:ext cx="11133221" cy="1200329"/>
+            <a:ext cx="11133221" cy="1292662"/>
           </a:xfrm>
           <a:prstGeom prst="rect">
             <a:avLst/>
@@ -4023,7 +4111,7 @@
           <a:p>
             <a:r>
               <a:rPr lang="en-US" dirty="0"/>
-              <a:t>Methodology:</a:t>
+              <a:t>Methodology- Exploratory Data Analysis:</a:t>
             </a:r>
           </a:p>
           <a:p>
@@ -4031,20 +4119,40 @@
           </a:p>
           <a:p>
             <a:r>
-              <a:rPr lang="en-US" dirty="0"/>
-              <a:t>Main components of report, discuss exploratory data analysis, inferential </a:t>
-            </a:r>
-            <a:r>
-              <a:rPr lang="en-US" dirty="0" err="1"/>
-              <a:t>statss</a:t>
-            </a:r>
-            <a:r>
-              <a:rPr lang="en-US" dirty="0"/>
-              <a:t>, what machine learning techniques used.</a:t>
-            </a:r>
-          </a:p>
-        </p:txBody>
-      </p:sp>
+              <a:rPr lang="en-US" sz="1400" dirty="0"/>
+              <a:t>Visualizing the top 20 Zip Codes in NC proved a good exercise where it was found that 7 of the top 20 Zip Codes for Rent Cost are in Charlotte, and 1 is in Greensboro. Considering this data, it was easy to make the determination to focus my analysis on a location for my Deli/Sandwich shop in Greensboro, NC and chose to avoid zip code 27403 in Greensboro.</a:t>
+            </a:r>
+          </a:p>
+        </p:txBody>
+      </p:sp>
+      <p:pic>
+        <p:nvPicPr>
+          <p:cNvPr id="3" name="Picture 2">
+            <a:extLst>
+              <a:ext uri="{FF2B5EF4-FFF2-40B4-BE49-F238E27FC236}">
+                <a16:creationId xmlns:a16="http://schemas.microsoft.com/office/drawing/2014/main" id="{BB2F54E2-44F1-400A-B6E3-C136D6B6C8F8}"/>
+              </a:ext>
+            </a:extLst>
+          </p:cNvPr>
+          <p:cNvPicPr/>
+          <p:nvPr/>
+        </p:nvPicPr>
+        <p:blipFill>
+          <a:blip r:embed="rId2"/>
+          <a:stretch>
+            <a:fillRect/>
+          </a:stretch>
+        </p:blipFill>
+        <p:spPr>
+          <a:xfrm>
+            <a:off x="1722268" y="1645920"/>
+            <a:ext cx="8327253" cy="4373140"/>
+          </a:xfrm>
+          <a:prstGeom prst="rect">
+            <a:avLst/>
+          </a:prstGeom>
+        </p:spPr>
+      </p:pic>
     </p:spTree>
     <p:extLst>
       <p:ext uri="{BB962C8B-B14F-4D97-AF65-F5344CB8AC3E}">
@@ -4090,7 +4198,7 @@
         <p:spPr>
           <a:xfrm>
             <a:off x="481263" y="304800"/>
-            <a:ext cx="11133221" cy="923330"/>
+            <a:ext cx="11133221" cy="1292662"/>
           </a:xfrm>
           <a:prstGeom prst="rect">
             <a:avLst/>
@@ -4105,7 +4213,7 @@
           <a:p>
             <a:r>
               <a:rPr lang="en-US" dirty="0"/>
-              <a:t>Results:</a:t>
+              <a:t>Methodology- Exploratory Data Analysis:</a:t>
             </a:r>
           </a:p>
           <a:p>
@@ -4113,16 +4221,52 @@
           </a:p>
           <a:p>
             <a:r>
-              <a:rPr lang="en-US" dirty="0"/>
-              <a:t>Discuss results from analysis.</a:t>
-            </a:r>
-          </a:p>
-        </p:txBody>
-      </p:sp>
+              <a:rPr lang="en-US" sz="1400" dirty="0"/>
+              <a:t>Tying the Greensboro zip code geospatial data to the Foursquare venue data in a </a:t>
+            </a:r>
+            <a:r>
+              <a:rPr lang="en-US" sz="1400" dirty="0" err="1"/>
+              <a:t>dataframe</a:t>
+            </a:r>
+            <a:r>
+              <a:rPr lang="en-US" sz="1400" dirty="0"/>
+              <a:t> was critical to allow for levering  K-means clustering unsupervised learning techniques and visualizing most common venues by zip code to narrow my search to an area not over populated by other Deli/Sandwich shops.</a:t>
+            </a:r>
+          </a:p>
+        </p:txBody>
+      </p:sp>
+      <p:pic>
+        <p:nvPicPr>
+          <p:cNvPr id="3" name="Picture 2">
+            <a:extLst>
+              <a:ext uri="{FF2B5EF4-FFF2-40B4-BE49-F238E27FC236}">
+                <a16:creationId xmlns:a16="http://schemas.microsoft.com/office/drawing/2014/main" id="{CB42793C-6BAE-421E-9B2C-0A81765D16A2}"/>
+              </a:ext>
+            </a:extLst>
+          </p:cNvPr>
+          <p:cNvPicPr/>
+          <p:nvPr/>
+        </p:nvPicPr>
+        <p:blipFill>
+          <a:blip r:embed="rId2"/>
+          <a:stretch>
+            <a:fillRect/>
+          </a:stretch>
+        </p:blipFill>
+        <p:spPr>
+          <a:xfrm>
+            <a:off x="1233996" y="2006353"/>
+            <a:ext cx="9463595" cy="3426780"/>
+          </a:xfrm>
+          <a:prstGeom prst="rect">
+            <a:avLst/>
+          </a:prstGeom>
+        </p:spPr>
+      </p:pic>
     </p:spTree>
     <p:extLst>
       <p:ext uri="{BB962C8B-B14F-4D97-AF65-F5344CB8AC3E}">
-        <p14:creationId xmlns:p14="http://schemas.microsoft.com/office/powerpoint/2010/main" val="2705372936"/>
+        <p14:creationId xmlns:p14="http://schemas.microsoft.com/office/powerpoint/2010/main" val="734932924"/>
       </p:ext>
     </p:extLst>
   </p:cSld>
@@ -4163,8 +4307,8 @@
         </p:nvSpPr>
         <p:spPr>
           <a:xfrm>
-            <a:off x="461808" y="304800"/>
-            <a:ext cx="11133221" cy="923330"/>
+            <a:off x="481263" y="304800"/>
+            <a:ext cx="11133221" cy="1754326"/>
           </a:xfrm>
           <a:prstGeom prst="rect">
             <a:avLst/>
@@ -4179,7 +4323,7 @@
           <a:p>
             <a:r>
               <a:rPr lang="en-US" dirty="0"/>
-              <a:t>Discussion:</a:t>
+              <a:t>Methodology- Exploratory Data Analysis:</a:t>
             </a:r>
           </a:p>
           <a:p>
@@ -4188,15 +4332,51 @@
           <a:p>
             <a:r>
               <a:rPr lang="en-US" dirty="0"/>
-              <a:t>Discuss observations noted and any recommendations you can make based on results.</a:t>
-            </a:r>
-          </a:p>
-        </p:txBody>
-      </p:sp>
+              <a:t>Elbow Method revealed that 2-3 clusters were optimal for the K-means fit algorithm using the Zip Code Top 10 Venues </a:t>
+            </a:r>
+            <a:r>
+              <a:rPr lang="en-US" dirty="0" err="1"/>
+              <a:t>Dataframe</a:t>
+            </a:r>
+            <a:r>
+              <a:rPr lang="en-US" dirty="0"/>
+              <a:t> as an input.  Note that there is no sharp elbow in this case so K-means was run under both 2 &amp; 3 clusters and the cluster outputs were analyzed.  Based on practicality and # of zip codes I was analyzing I chose 3 clusters.</a:t>
+            </a:r>
+          </a:p>
+        </p:txBody>
+      </p:sp>
+      <p:pic>
+        <p:nvPicPr>
+          <p:cNvPr id="3" name="Picture 2">
+            <a:extLst>
+              <a:ext uri="{FF2B5EF4-FFF2-40B4-BE49-F238E27FC236}">
+                <a16:creationId xmlns:a16="http://schemas.microsoft.com/office/drawing/2014/main" id="{FEB7CB0D-61F9-4CAC-B8BA-D2241AE316A6}"/>
+              </a:ext>
+            </a:extLst>
+          </p:cNvPr>
+          <p:cNvPicPr/>
+          <p:nvPr/>
+        </p:nvPicPr>
+        <p:blipFill>
+          <a:blip r:embed="rId2"/>
+          <a:stretch>
+            <a:fillRect/>
+          </a:stretch>
+        </p:blipFill>
+        <p:spPr>
+          <a:xfrm>
+            <a:off x="3666478" y="2059126"/>
+            <a:ext cx="5344696" cy="3339549"/>
+          </a:xfrm>
+          <a:prstGeom prst="rect">
+            <a:avLst/>
+          </a:prstGeom>
+        </p:spPr>
+      </p:pic>
     </p:spTree>
     <p:extLst>
       <p:ext uri="{BB962C8B-B14F-4D97-AF65-F5344CB8AC3E}">
-        <p14:creationId xmlns:p14="http://schemas.microsoft.com/office/powerpoint/2010/main" val="1047291096"/>
+        <p14:creationId xmlns:p14="http://schemas.microsoft.com/office/powerpoint/2010/main" val="1977373735"/>
       </p:ext>
     </p:extLst>
   </p:cSld>
@@ -4237,8 +4417,8 @@
         </p:nvSpPr>
         <p:spPr>
           <a:xfrm>
-            <a:off x="481263" y="499353"/>
-            <a:ext cx="11133221" cy="923330"/>
+            <a:off x="481263" y="304800"/>
+            <a:ext cx="11133221" cy="1477328"/>
           </a:xfrm>
           <a:prstGeom prst="rect">
             <a:avLst/>
@@ -4253,7 +4433,7 @@
           <a:p>
             <a:r>
               <a:rPr lang="en-US" dirty="0"/>
-              <a:t>Conclusions:</a:t>
+              <a:t>Methodology- Exploratory Data Analysis:</a:t>
             </a:r>
           </a:p>
           <a:p>
@@ -4262,23 +4442,217 @@
           <a:p>
             <a:r>
               <a:rPr lang="en-US" dirty="0"/>
-              <a:t>Discuss </a:t>
-            </a:r>
-            <a:r>
-              <a:rPr lang="en-US" dirty="0" err="1"/>
-              <a:t>observiation</a:t>
-            </a:r>
-            <a:r>
-              <a:rPr lang="en-US" dirty="0"/>
-              <a:t> noted and any recommendations you can make based on results.</a:t>
-            </a:r>
-          </a:p>
-        </p:txBody>
-      </p:sp>
+              <a:t>Combination of K-means cluster to narrow search to select 5 zip codes, along with analyzing mean frequency occurrence of Deli/Bodega and Sandwich Shops allowed for selection of a zip code to target for my restaurant location (27408).</a:t>
+            </a:r>
+          </a:p>
+        </p:txBody>
+      </p:sp>
+      <p:pic>
+        <p:nvPicPr>
+          <p:cNvPr id="4" name="Picture 3">
+            <a:extLst>
+              <a:ext uri="{FF2B5EF4-FFF2-40B4-BE49-F238E27FC236}">
+                <a16:creationId xmlns:a16="http://schemas.microsoft.com/office/drawing/2014/main" id="{CCA71943-E7FF-440F-A7D6-8C1F94E746D6}"/>
+              </a:ext>
+            </a:extLst>
+          </p:cNvPr>
+          <p:cNvPicPr/>
+          <p:nvPr/>
+        </p:nvPicPr>
+        <p:blipFill>
+          <a:blip r:embed="rId2"/>
+          <a:stretch>
+            <a:fillRect/>
+          </a:stretch>
+        </p:blipFill>
+        <p:spPr>
+          <a:xfrm>
+            <a:off x="229710" y="2237173"/>
+            <a:ext cx="4778406" cy="2409304"/>
+          </a:xfrm>
+          <a:prstGeom prst="rect">
+            <a:avLst/>
+          </a:prstGeom>
+        </p:spPr>
+      </p:pic>
+      <p:sp>
+        <p:nvSpPr>
+          <p:cNvPr id="5" name="Rectangle: Rounded Corners 4">
+            <a:extLst>
+              <a:ext uri="{FF2B5EF4-FFF2-40B4-BE49-F238E27FC236}">
+                <a16:creationId xmlns:a16="http://schemas.microsoft.com/office/drawing/2014/main" id="{D6871582-7373-4447-86B5-88E44E0C772D}"/>
+              </a:ext>
+            </a:extLst>
+          </p:cNvPr>
+          <p:cNvSpPr/>
+          <p:nvPr/>
+        </p:nvSpPr>
+        <p:spPr>
+          <a:xfrm>
+            <a:off x="2157274" y="2950843"/>
+            <a:ext cx="585926" cy="461638"/>
+          </a:xfrm>
+          <a:prstGeom prst="roundRect">
+            <a:avLst/>
+          </a:prstGeom>
+          <a:noFill/>
+          <a:ln w="76200">
+            <a:solidFill>
+              <a:srgbClr val="00B050"/>
+            </a:solidFill>
+          </a:ln>
+        </p:spPr>
+        <p:style>
+          <a:lnRef idx="2">
+            <a:schemeClr val="accent1">
+              <a:shade val="50000"/>
+            </a:schemeClr>
+          </a:lnRef>
+          <a:fillRef idx="1">
+            <a:schemeClr val="accent1"/>
+          </a:fillRef>
+          <a:effectRef idx="0">
+            <a:schemeClr val="accent1"/>
+          </a:effectRef>
+          <a:fontRef idx="minor">
+            <a:schemeClr val="lt1"/>
+          </a:fontRef>
+        </p:style>
+        <p:txBody>
+          <a:bodyPr rtlCol="0" anchor="ctr"/>
+          <a:lstStyle/>
+          <a:p>
+            <a:pPr algn="ctr"/>
+            <a:endParaRPr lang="en-US"/>
+          </a:p>
+        </p:txBody>
+      </p:sp>
+      <p:pic>
+        <p:nvPicPr>
+          <p:cNvPr id="6" name="Picture 5">
+            <a:extLst>
+              <a:ext uri="{FF2B5EF4-FFF2-40B4-BE49-F238E27FC236}">
+                <a16:creationId xmlns:a16="http://schemas.microsoft.com/office/drawing/2014/main" id="{7AD2574F-BA1A-42EC-B0F1-5089C8F8B970}"/>
+              </a:ext>
+            </a:extLst>
+          </p:cNvPr>
+          <p:cNvPicPr/>
+          <p:nvPr/>
+        </p:nvPicPr>
+        <p:blipFill>
+          <a:blip r:embed="rId3"/>
+          <a:stretch>
+            <a:fillRect/>
+          </a:stretch>
+        </p:blipFill>
+        <p:spPr>
+          <a:xfrm>
+            <a:off x="6857631" y="2105521"/>
+            <a:ext cx="4152900" cy="2771775"/>
+          </a:xfrm>
+          <a:prstGeom prst="rect">
+            <a:avLst/>
+          </a:prstGeom>
+        </p:spPr>
+      </p:pic>
+      <p:sp>
+        <p:nvSpPr>
+          <p:cNvPr id="7" name="Rectangle: Rounded Corners 6">
+            <a:extLst>
+              <a:ext uri="{FF2B5EF4-FFF2-40B4-BE49-F238E27FC236}">
+                <a16:creationId xmlns:a16="http://schemas.microsoft.com/office/drawing/2014/main" id="{E1345D7E-F130-4956-81D7-6FBEB41F80E4}"/>
+              </a:ext>
+            </a:extLst>
+          </p:cNvPr>
+          <p:cNvSpPr/>
+          <p:nvPr/>
+        </p:nvSpPr>
+        <p:spPr>
+          <a:xfrm>
+            <a:off x="8294889" y="2325950"/>
+            <a:ext cx="630314" cy="2551346"/>
+          </a:xfrm>
+          <a:prstGeom prst="roundRect">
+            <a:avLst/>
+          </a:prstGeom>
+          <a:noFill/>
+          <a:ln w="57150">
+            <a:solidFill>
+              <a:srgbClr val="00B050"/>
+            </a:solidFill>
+          </a:ln>
+        </p:spPr>
+        <p:style>
+          <a:lnRef idx="2">
+            <a:schemeClr val="accent1">
+              <a:shade val="50000"/>
+            </a:schemeClr>
+          </a:lnRef>
+          <a:fillRef idx="1">
+            <a:schemeClr val="accent1"/>
+          </a:fillRef>
+          <a:effectRef idx="0">
+            <a:schemeClr val="accent1"/>
+          </a:effectRef>
+          <a:fontRef idx="minor">
+            <a:schemeClr val="lt1"/>
+          </a:fontRef>
+        </p:style>
+        <p:txBody>
+          <a:bodyPr rtlCol="0" anchor="ctr"/>
+          <a:lstStyle/>
+          <a:p>
+            <a:pPr algn="ctr"/>
+            <a:endParaRPr lang="en-US"/>
+          </a:p>
+        </p:txBody>
+      </p:sp>
+      <p:cxnSp>
+        <p:nvCxnSpPr>
+          <p:cNvPr id="9" name="Straight Arrow Connector 8">
+            <a:extLst>
+              <a:ext uri="{FF2B5EF4-FFF2-40B4-BE49-F238E27FC236}">
+                <a16:creationId xmlns:a16="http://schemas.microsoft.com/office/drawing/2014/main" id="{BD250F99-C22F-4FDC-9D6B-6460D5FD9BDC}"/>
+              </a:ext>
+            </a:extLst>
+          </p:cNvPr>
+          <p:cNvCxnSpPr/>
+          <p:nvPr/>
+        </p:nvCxnSpPr>
+        <p:spPr>
+          <a:xfrm>
+            <a:off x="3287883" y="3211006"/>
+            <a:ext cx="5243558" cy="230819"/>
+          </a:xfrm>
+          <a:prstGeom prst="straightConnector1">
+            <a:avLst/>
+          </a:prstGeom>
+          <a:ln w="38100">
+            <a:solidFill>
+              <a:srgbClr val="00B050"/>
+            </a:solidFill>
+            <a:tailEnd type="triangle"/>
+          </a:ln>
+        </p:spPr>
+        <p:style>
+          <a:lnRef idx="1">
+            <a:schemeClr val="accent1"/>
+          </a:lnRef>
+          <a:fillRef idx="0">
+            <a:schemeClr val="accent1"/>
+          </a:fillRef>
+          <a:effectRef idx="0">
+            <a:schemeClr val="accent1"/>
+          </a:effectRef>
+          <a:fontRef idx="minor">
+            <a:schemeClr val="tx1"/>
+          </a:fontRef>
+        </p:style>
+      </p:cxnSp>
     </p:spTree>
     <p:extLst>
       <p:ext uri="{BB962C8B-B14F-4D97-AF65-F5344CB8AC3E}">
-        <p14:creationId xmlns:p14="http://schemas.microsoft.com/office/powerpoint/2010/main" val="2637888042"/>
+        <p14:creationId xmlns:p14="http://schemas.microsoft.com/office/powerpoint/2010/main" val="3588837650"/>
       </p:ext>
     </p:extLst>
   </p:cSld>
@@ -4319,8 +4693,8 @@
         </p:nvSpPr>
         <p:spPr>
           <a:xfrm>
-            <a:off x="481263" y="499353"/>
-            <a:ext cx="11133221" cy="646331"/>
+            <a:off x="481263" y="304800"/>
+            <a:ext cx="11133221" cy="2677656"/>
           </a:xfrm>
           <a:prstGeom prst="rect">
             <a:avLst/>
@@ -4335,18 +4709,65 @@
           <a:p>
             <a:r>
               <a:rPr lang="en-US" dirty="0"/>
-              <a:t>References</a:t>
+              <a:t>Conclusions and Future Opportunities:</a:t>
             </a:r>
           </a:p>
           <a:p>
             <a:endParaRPr lang="en-US" dirty="0"/>
+          </a:p>
+          <a:p>
+            <a:pPr marL="171450" indent="-171450">
+              <a:buFont typeface="Arial" panose="020B0604020202020204" pitchFamily="34" charset="0"/>
+              <a:buChar char="•"/>
+            </a:pPr>
+            <a:r>
+              <a:rPr lang="en-US" sz="1200" dirty="0"/>
+              <a:t>Geospatial data combined with web research and k-means clustering proved a successful method to narrow search for a restaurant venue location down to a specific zip code.  </a:t>
+            </a:r>
+          </a:p>
+          <a:p>
+            <a:pPr marL="171450" indent="-171450">
+              <a:buFont typeface="Arial" panose="020B0604020202020204" pitchFamily="34" charset="0"/>
+              <a:buChar char="•"/>
+            </a:pPr>
+            <a:r>
+              <a:rPr lang="en-US" sz="1200" dirty="0"/>
+              <a:t>Foursquare data results were limited on number of venues returned even when opening the foursquare API call search limits and radius.  In addition, Foursquare venue categories are inconsistent so it is hard to filter out all categories which are irrelevant to the analysis.  For example, there is venue category of “Restaurant”, “American Restaurant”, “Pizza Restaurant”, etc. If you do not look at each venue title, clustering by venue category may prove to cluster restaurants incorrectly or in the case of this analysis create few clusters to differentiate venues because the categories are so broad.  Therefore, other methods of analysis are necessary to combine with K-means to make an educated decision on a venue location.</a:t>
+            </a:r>
+          </a:p>
+          <a:p>
+            <a:pPr marL="171450" indent="-171450">
+              <a:buFont typeface="Arial" panose="020B0604020202020204" pitchFamily="34" charset="0"/>
+              <a:buChar char="•"/>
+            </a:pPr>
+            <a:endParaRPr lang="en-US" sz="1200" dirty="0"/>
+          </a:p>
+          <a:p>
+            <a:pPr marL="171450" indent="-171450">
+              <a:buFont typeface="Arial" panose="020B0604020202020204" pitchFamily="34" charset="0"/>
+              <a:buChar char="•"/>
+            </a:pPr>
+            <a:r>
+              <a:rPr lang="en-US" sz="1200" dirty="0"/>
+              <a:t>Future use cases for selling this type of analysis as a service are evident, especially considering how much time I spent on this behind a computer versus the guess work and </a:t>
+            </a:r>
+          </a:p>
+          <a:p>
+            <a:pPr marL="171450" indent="-171450">
+              <a:buFont typeface="Arial" panose="020B0604020202020204" pitchFamily="34" charset="0"/>
+              <a:buChar char="•"/>
+            </a:pPr>
+            <a:r>
+              <a:rPr lang="en-US" sz="1200" dirty="0"/>
+              <a:t>K-means clustering algorithms could not be leveraged as a service to new small business owners seeking guidance on prime locations to open a new restaurant or any other kind of business. </a:t>
+            </a:r>
           </a:p>
         </p:txBody>
       </p:sp>
     </p:spTree>
     <p:extLst>
       <p:ext uri="{BB962C8B-B14F-4D97-AF65-F5344CB8AC3E}">
-        <p14:creationId xmlns:p14="http://schemas.microsoft.com/office/powerpoint/2010/main" val="1433564750"/>
+        <p14:creationId xmlns:p14="http://schemas.microsoft.com/office/powerpoint/2010/main" val="2705372936"/>
       </p:ext>
     </p:extLst>
   </p:cSld>
